--- a/ppt 16-9/0764.道路追求.pptx
+++ b/ppt 16-9/0764.道路追求.pptx
@@ -129,7 +129,7 @@
           <p:cNvPr id="2" name="标题 1">
             <a:extLst>
               <a:ext uri="{FF2B5EF4-FFF2-40B4-BE49-F238E27FC236}">
-                <a16:creationId xmlns:a16="http://schemas.microsoft.com/office/drawing/2014/main" id="{246E7A0E-5D2D-C93A-D90A-392710C63E3D}"/>
+                <a16:creationId xmlns:a16="http://schemas.microsoft.com/office/drawing/2014/main" id="{75069116-6676-E13D-3118-C76B5F6F8CC0}"/>
               </a:ext>
             </a:extLst>
           </p:cNvPr>
@@ -166,7 +166,7 @@
           <p:cNvPr id="3" name="副标题 2">
             <a:extLst>
               <a:ext uri="{FF2B5EF4-FFF2-40B4-BE49-F238E27FC236}">
-                <a16:creationId xmlns:a16="http://schemas.microsoft.com/office/drawing/2014/main" id="{248C3076-8BF8-875B-4A85-A9F0F0DE2F77}"/>
+                <a16:creationId xmlns:a16="http://schemas.microsoft.com/office/drawing/2014/main" id="{2FAB0287-B94A-E241-2B5F-A22800BEA487}"/>
               </a:ext>
             </a:extLst>
           </p:cNvPr>
@@ -236,7 +236,7 @@
           <p:cNvPr id="4" name="日期占位符 3">
             <a:extLst>
               <a:ext uri="{FF2B5EF4-FFF2-40B4-BE49-F238E27FC236}">
-                <a16:creationId xmlns:a16="http://schemas.microsoft.com/office/drawing/2014/main" id="{13F491A0-B0D8-1383-7CEC-A6747A7BCADF}"/>
+                <a16:creationId xmlns:a16="http://schemas.microsoft.com/office/drawing/2014/main" id="{042C8467-5C12-3C8D-DE1B-F3AB2474DFBA}"/>
               </a:ext>
             </a:extLst>
           </p:cNvPr>
@@ -252,7 +252,7 @@
           <a:bodyPr/>
           <a:lstStyle/>
           <a:p>
-            <a:fld id="{D5A816A3-8E01-466E-AE42-8635576E0676}" type="datetimeFigureOut">
+            <a:fld id="{D377ECB9-9414-4E7E-8F96-814E429367F1}" type="datetimeFigureOut">
               <a:rPr lang="zh-CN" altLang="en-US" smtClean="0"/>
               <a:t>2024/3/10</a:t>
             </a:fld>
@@ -265,7 +265,7 @@
           <p:cNvPr id="5" name="页脚占位符 4">
             <a:extLst>
               <a:ext uri="{FF2B5EF4-FFF2-40B4-BE49-F238E27FC236}">
-                <a16:creationId xmlns:a16="http://schemas.microsoft.com/office/drawing/2014/main" id="{CC2504D7-441C-195E-1E3C-3FB87EBE6BAA}"/>
+                <a16:creationId xmlns:a16="http://schemas.microsoft.com/office/drawing/2014/main" id="{FEAFF72F-DF54-FFE9-C6CC-CD5812A03AB4}"/>
               </a:ext>
             </a:extLst>
           </p:cNvPr>
@@ -290,7 +290,7 @@
           <p:cNvPr id="6" name="灯片编号占位符 5">
             <a:extLst>
               <a:ext uri="{FF2B5EF4-FFF2-40B4-BE49-F238E27FC236}">
-                <a16:creationId xmlns:a16="http://schemas.microsoft.com/office/drawing/2014/main" id="{E22806A3-E026-B532-30CE-4739AF65F711}"/>
+                <a16:creationId xmlns:a16="http://schemas.microsoft.com/office/drawing/2014/main" id="{0F43E813-5F3E-76BD-391A-12ED9E8E2448}"/>
               </a:ext>
             </a:extLst>
           </p:cNvPr>
@@ -306,7 +306,7 @@
           <a:bodyPr/>
           <a:lstStyle/>
           <a:p>
-            <a:fld id="{EB6AB818-5F3F-4C1C-884F-06860D4F632B}" type="slidenum">
+            <a:fld id="{3266E61F-5EF4-4F4E-B2A7-E6C58DF8FBC6}" type="slidenum">
               <a:rPr lang="zh-CN" altLang="en-US" smtClean="0"/>
               <a:t>‹#›</a:t>
             </a:fld>
@@ -317,7 +317,7 @@
     </p:spTree>
     <p:extLst>
       <p:ext uri="{BB962C8B-B14F-4D97-AF65-F5344CB8AC3E}">
-        <p14:creationId xmlns:p14="http://schemas.microsoft.com/office/powerpoint/2010/main" val="860054408"/>
+        <p14:creationId xmlns:p14="http://schemas.microsoft.com/office/powerpoint/2010/main" val="3075970724"/>
       </p:ext>
     </p:extLst>
   </p:cSld>
@@ -349,7 +349,7 @@
           <p:cNvPr id="2" name="标题 1">
             <a:extLst>
               <a:ext uri="{FF2B5EF4-FFF2-40B4-BE49-F238E27FC236}">
-                <a16:creationId xmlns:a16="http://schemas.microsoft.com/office/drawing/2014/main" id="{6EF708B5-909C-512F-1632-C73FD240F081}"/>
+                <a16:creationId xmlns:a16="http://schemas.microsoft.com/office/drawing/2014/main" id="{F79A81C1-31E5-3EC0-9C67-565274761C9A}"/>
               </a:ext>
             </a:extLst>
           </p:cNvPr>
@@ -377,7 +377,7 @@
           <p:cNvPr id="3" name="竖排文字占位符 2">
             <a:extLst>
               <a:ext uri="{FF2B5EF4-FFF2-40B4-BE49-F238E27FC236}">
-                <a16:creationId xmlns:a16="http://schemas.microsoft.com/office/drawing/2014/main" id="{07F9C5BB-3B47-A715-D8AC-C162117E005F}"/>
+                <a16:creationId xmlns:a16="http://schemas.microsoft.com/office/drawing/2014/main" id="{AB078466-9ABE-6804-C6BD-809CA7C12477}"/>
               </a:ext>
             </a:extLst>
           </p:cNvPr>
@@ -434,7 +434,7 @@
           <p:cNvPr id="4" name="日期占位符 3">
             <a:extLst>
               <a:ext uri="{FF2B5EF4-FFF2-40B4-BE49-F238E27FC236}">
-                <a16:creationId xmlns:a16="http://schemas.microsoft.com/office/drawing/2014/main" id="{3D3BBD1C-C8F2-5B0C-B276-21C9B90CC461}"/>
+                <a16:creationId xmlns:a16="http://schemas.microsoft.com/office/drawing/2014/main" id="{768F6BCB-062B-8F15-1E29-CF33BFA944EE}"/>
               </a:ext>
             </a:extLst>
           </p:cNvPr>
@@ -450,7 +450,7 @@
           <a:bodyPr/>
           <a:lstStyle/>
           <a:p>
-            <a:fld id="{D5A816A3-8E01-466E-AE42-8635576E0676}" type="datetimeFigureOut">
+            <a:fld id="{D377ECB9-9414-4E7E-8F96-814E429367F1}" type="datetimeFigureOut">
               <a:rPr lang="zh-CN" altLang="en-US" smtClean="0"/>
               <a:t>2024/3/10</a:t>
             </a:fld>
@@ -463,7 +463,7 @@
           <p:cNvPr id="5" name="页脚占位符 4">
             <a:extLst>
               <a:ext uri="{FF2B5EF4-FFF2-40B4-BE49-F238E27FC236}">
-                <a16:creationId xmlns:a16="http://schemas.microsoft.com/office/drawing/2014/main" id="{8F9ED8A2-039F-58FD-3656-1F0CEAB56792}"/>
+                <a16:creationId xmlns:a16="http://schemas.microsoft.com/office/drawing/2014/main" id="{F249BD98-FABB-9DFE-70F0-F2CDEE604270}"/>
               </a:ext>
             </a:extLst>
           </p:cNvPr>
@@ -488,7 +488,7 @@
           <p:cNvPr id="6" name="灯片编号占位符 5">
             <a:extLst>
               <a:ext uri="{FF2B5EF4-FFF2-40B4-BE49-F238E27FC236}">
-                <a16:creationId xmlns:a16="http://schemas.microsoft.com/office/drawing/2014/main" id="{84141EE7-4ADD-28EE-90F7-47F01EA54A13}"/>
+                <a16:creationId xmlns:a16="http://schemas.microsoft.com/office/drawing/2014/main" id="{0ED5E386-81D0-0617-A721-C51306793181}"/>
               </a:ext>
             </a:extLst>
           </p:cNvPr>
@@ -504,7 +504,7 @@
           <a:bodyPr/>
           <a:lstStyle/>
           <a:p>
-            <a:fld id="{EB6AB818-5F3F-4C1C-884F-06860D4F632B}" type="slidenum">
+            <a:fld id="{3266E61F-5EF4-4F4E-B2A7-E6C58DF8FBC6}" type="slidenum">
               <a:rPr lang="zh-CN" altLang="en-US" smtClean="0"/>
               <a:t>‹#›</a:t>
             </a:fld>
@@ -515,7 +515,7 @@
     </p:spTree>
     <p:extLst>
       <p:ext uri="{BB962C8B-B14F-4D97-AF65-F5344CB8AC3E}">
-        <p14:creationId xmlns:p14="http://schemas.microsoft.com/office/powerpoint/2010/main" val="4094272311"/>
+        <p14:creationId xmlns:p14="http://schemas.microsoft.com/office/powerpoint/2010/main" val="1006270772"/>
       </p:ext>
     </p:extLst>
   </p:cSld>
@@ -547,7 +547,7 @@
           <p:cNvPr id="2" name="竖排标题 1">
             <a:extLst>
               <a:ext uri="{FF2B5EF4-FFF2-40B4-BE49-F238E27FC236}">
-                <a16:creationId xmlns:a16="http://schemas.microsoft.com/office/drawing/2014/main" id="{EC442D25-3DEA-FB11-893E-563FB66FFE33}"/>
+                <a16:creationId xmlns:a16="http://schemas.microsoft.com/office/drawing/2014/main" id="{8C225675-DF56-4FDD-22E8-2F32F0087F46}"/>
               </a:ext>
             </a:extLst>
           </p:cNvPr>
@@ -580,7 +580,7 @@
           <p:cNvPr id="3" name="竖排文字占位符 2">
             <a:extLst>
               <a:ext uri="{FF2B5EF4-FFF2-40B4-BE49-F238E27FC236}">
-                <a16:creationId xmlns:a16="http://schemas.microsoft.com/office/drawing/2014/main" id="{35346B88-3069-4868-A726-0A5602399EDF}"/>
+                <a16:creationId xmlns:a16="http://schemas.microsoft.com/office/drawing/2014/main" id="{E265C66E-20CA-7F45-5D9B-0FF68BD4C4F7}"/>
               </a:ext>
             </a:extLst>
           </p:cNvPr>
@@ -642,7 +642,7 @@
           <p:cNvPr id="4" name="日期占位符 3">
             <a:extLst>
               <a:ext uri="{FF2B5EF4-FFF2-40B4-BE49-F238E27FC236}">
-                <a16:creationId xmlns:a16="http://schemas.microsoft.com/office/drawing/2014/main" id="{D8CF0CDF-6FDB-C366-1D21-CB66D64CF9AE}"/>
+                <a16:creationId xmlns:a16="http://schemas.microsoft.com/office/drawing/2014/main" id="{4F1A9AD5-1E66-72BA-03D5-66C3A86807E6}"/>
               </a:ext>
             </a:extLst>
           </p:cNvPr>
@@ -658,7 +658,7 @@
           <a:bodyPr/>
           <a:lstStyle/>
           <a:p>
-            <a:fld id="{D5A816A3-8E01-466E-AE42-8635576E0676}" type="datetimeFigureOut">
+            <a:fld id="{D377ECB9-9414-4E7E-8F96-814E429367F1}" type="datetimeFigureOut">
               <a:rPr lang="zh-CN" altLang="en-US" smtClean="0"/>
               <a:t>2024/3/10</a:t>
             </a:fld>
@@ -671,7 +671,7 @@
           <p:cNvPr id="5" name="页脚占位符 4">
             <a:extLst>
               <a:ext uri="{FF2B5EF4-FFF2-40B4-BE49-F238E27FC236}">
-                <a16:creationId xmlns:a16="http://schemas.microsoft.com/office/drawing/2014/main" id="{557AEC1E-04FA-B274-860F-30FEEBFC863A}"/>
+                <a16:creationId xmlns:a16="http://schemas.microsoft.com/office/drawing/2014/main" id="{41EE127A-ABD2-A68E-91D7-E5A5B42146EC}"/>
               </a:ext>
             </a:extLst>
           </p:cNvPr>
@@ -696,7 +696,7 @@
           <p:cNvPr id="6" name="灯片编号占位符 5">
             <a:extLst>
               <a:ext uri="{FF2B5EF4-FFF2-40B4-BE49-F238E27FC236}">
-                <a16:creationId xmlns:a16="http://schemas.microsoft.com/office/drawing/2014/main" id="{C839AB3C-82FD-4628-2A47-6AE7F3FB662A}"/>
+                <a16:creationId xmlns:a16="http://schemas.microsoft.com/office/drawing/2014/main" id="{5F469849-411D-4E72-3D3C-8087191B8ABB}"/>
               </a:ext>
             </a:extLst>
           </p:cNvPr>
@@ -712,7 +712,7 @@
           <a:bodyPr/>
           <a:lstStyle/>
           <a:p>
-            <a:fld id="{EB6AB818-5F3F-4C1C-884F-06860D4F632B}" type="slidenum">
+            <a:fld id="{3266E61F-5EF4-4F4E-B2A7-E6C58DF8FBC6}" type="slidenum">
               <a:rPr lang="zh-CN" altLang="en-US" smtClean="0"/>
               <a:t>‹#›</a:t>
             </a:fld>
@@ -723,7 +723,7 @@
     </p:spTree>
     <p:extLst>
       <p:ext uri="{BB962C8B-B14F-4D97-AF65-F5344CB8AC3E}">
-        <p14:creationId xmlns:p14="http://schemas.microsoft.com/office/powerpoint/2010/main" val="2071142320"/>
+        <p14:creationId xmlns:p14="http://schemas.microsoft.com/office/powerpoint/2010/main" val="3710117740"/>
       </p:ext>
     </p:extLst>
   </p:cSld>
@@ -755,7 +755,7 @@
           <p:cNvPr id="2" name="标题 1">
             <a:extLst>
               <a:ext uri="{FF2B5EF4-FFF2-40B4-BE49-F238E27FC236}">
-                <a16:creationId xmlns:a16="http://schemas.microsoft.com/office/drawing/2014/main" id="{353E0BF0-C74A-299A-8DD3-22B64FCF0931}"/>
+                <a16:creationId xmlns:a16="http://schemas.microsoft.com/office/drawing/2014/main" id="{7F41A51E-1E45-13DD-F396-5EFC3AEFC758}"/>
               </a:ext>
             </a:extLst>
           </p:cNvPr>
@@ -783,7 +783,7 @@
           <p:cNvPr id="3" name="内容占位符 2">
             <a:extLst>
               <a:ext uri="{FF2B5EF4-FFF2-40B4-BE49-F238E27FC236}">
-                <a16:creationId xmlns:a16="http://schemas.microsoft.com/office/drawing/2014/main" id="{A418CB94-85A9-70F1-D3E4-3E3A6FDCF903}"/>
+                <a16:creationId xmlns:a16="http://schemas.microsoft.com/office/drawing/2014/main" id="{EB5D71E7-1AD2-5EB0-FDDB-DBA2E0C0DEA3}"/>
               </a:ext>
             </a:extLst>
           </p:cNvPr>
@@ -840,7 +840,7 @@
           <p:cNvPr id="4" name="日期占位符 3">
             <a:extLst>
               <a:ext uri="{FF2B5EF4-FFF2-40B4-BE49-F238E27FC236}">
-                <a16:creationId xmlns:a16="http://schemas.microsoft.com/office/drawing/2014/main" id="{AF9BD43F-7A15-DE12-E849-C605FFA95D09}"/>
+                <a16:creationId xmlns:a16="http://schemas.microsoft.com/office/drawing/2014/main" id="{0F4270CF-B163-D728-AA7D-13047E94D856}"/>
               </a:ext>
             </a:extLst>
           </p:cNvPr>
@@ -856,7 +856,7 @@
           <a:bodyPr/>
           <a:lstStyle/>
           <a:p>
-            <a:fld id="{D5A816A3-8E01-466E-AE42-8635576E0676}" type="datetimeFigureOut">
+            <a:fld id="{D377ECB9-9414-4E7E-8F96-814E429367F1}" type="datetimeFigureOut">
               <a:rPr lang="zh-CN" altLang="en-US" smtClean="0"/>
               <a:t>2024/3/10</a:t>
             </a:fld>
@@ -869,7 +869,7 @@
           <p:cNvPr id="5" name="页脚占位符 4">
             <a:extLst>
               <a:ext uri="{FF2B5EF4-FFF2-40B4-BE49-F238E27FC236}">
-                <a16:creationId xmlns:a16="http://schemas.microsoft.com/office/drawing/2014/main" id="{B0E44FE1-C938-3872-3A0E-5DF9B2EFE4A7}"/>
+                <a16:creationId xmlns:a16="http://schemas.microsoft.com/office/drawing/2014/main" id="{D733E20E-90E6-E211-A882-4FE61C40A71D}"/>
               </a:ext>
             </a:extLst>
           </p:cNvPr>
@@ -894,7 +894,7 @@
           <p:cNvPr id="6" name="灯片编号占位符 5">
             <a:extLst>
               <a:ext uri="{FF2B5EF4-FFF2-40B4-BE49-F238E27FC236}">
-                <a16:creationId xmlns:a16="http://schemas.microsoft.com/office/drawing/2014/main" id="{4AD146AB-5BF9-A77D-EB25-78C09B3C664E}"/>
+                <a16:creationId xmlns:a16="http://schemas.microsoft.com/office/drawing/2014/main" id="{C765BA1A-C7F8-10F2-F45B-4ABDEF04B1E7}"/>
               </a:ext>
             </a:extLst>
           </p:cNvPr>
@@ -910,7 +910,7 @@
           <a:bodyPr/>
           <a:lstStyle/>
           <a:p>
-            <a:fld id="{EB6AB818-5F3F-4C1C-884F-06860D4F632B}" type="slidenum">
+            <a:fld id="{3266E61F-5EF4-4F4E-B2A7-E6C58DF8FBC6}" type="slidenum">
               <a:rPr lang="zh-CN" altLang="en-US" smtClean="0"/>
               <a:t>‹#›</a:t>
             </a:fld>
@@ -921,7 +921,7 @@
     </p:spTree>
     <p:extLst>
       <p:ext uri="{BB962C8B-B14F-4D97-AF65-F5344CB8AC3E}">
-        <p14:creationId xmlns:p14="http://schemas.microsoft.com/office/powerpoint/2010/main" val="72333689"/>
+        <p14:creationId xmlns:p14="http://schemas.microsoft.com/office/powerpoint/2010/main" val="2283111825"/>
       </p:ext>
     </p:extLst>
   </p:cSld>
@@ -953,7 +953,7 @@
           <p:cNvPr id="2" name="标题 1">
             <a:extLst>
               <a:ext uri="{FF2B5EF4-FFF2-40B4-BE49-F238E27FC236}">
-                <a16:creationId xmlns:a16="http://schemas.microsoft.com/office/drawing/2014/main" id="{9D105EB9-BE71-0917-0586-3D311C90D8EA}"/>
+                <a16:creationId xmlns:a16="http://schemas.microsoft.com/office/drawing/2014/main" id="{E1B70128-430C-F573-4611-FB2578A7C981}"/>
               </a:ext>
             </a:extLst>
           </p:cNvPr>
@@ -990,7 +990,7 @@
           <p:cNvPr id="3" name="文本占位符 2">
             <a:extLst>
               <a:ext uri="{FF2B5EF4-FFF2-40B4-BE49-F238E27FC236}">
-                <a16:creationId xmlns:a16="http://schemas.microsoft.com/office/drawing/2014/main" id="{22B9A20F-AC9A-DFDD-D8F3-4E48C4C8146E}"/>
+                <a16:creationId xmlns:a16="http://schemas.microsoft.com/office/drawing/2014/main" id="{4CB3E08E-56BA-832B-90DA-14290157FD10}"/>
               </a:ext>
             </a:extLst>
           </p:cNvPr>
@@ -1115,7 +1115,7 @@
           <p:cNvPr id="4" name="日期占位符 3">
             <a:extLst>
               <a:ext uri="{FF2B5EF4-FFF2-40B4-BE49-F238E27FC236}">
-                <a16:creationId xmlns:a16="http://schemas.microsoft.com/office/drawing/2014/main" id="{12A040EC-5410-7CE1-E8DD-A5A08363B960}"/>
+                <a16:creationId xmlns:a16="http://schemas.microsoft.com/office/drawing/2014/main" id="{42449CB8-24E9-64C9-FA73-0C7E44FA550C}"/>
               </a:ext>
             </a:extLst>
           </p:cNvPr>
@@ -1131,7 +1131,7 @@
           <a:bodyPr/>
           <a:lstStyle/>
           <a:p>
-            <a:fld id="{D5A816A3-8E01-466E-AE42-8635576E0676}" type="datetimeFigureOut">
+            <a:fld id="{D377ECB9-9414-4E7E-8F96-814E429367F1}" type="datetimeFigureOut">
               <a:rPr lang="zh-CN" altLang="en-US" smtClean="0"/>
               <a:t>2024/3/10</a:t>
             </a:fld>
@@ -1144,7 +1144,7 @@
           <p:cNvPr id="5" name="页脚占位符 4">
             <a:extLst>
               <a:ext uri="{FF2B5EF4-FFF2-40B4-BE49-F238E27FC236}">
-                <a16:creationId xmlns:a16="http://schemas.microsoft.com/office/drawing/2014/main" id="{E085D078-8457-D660-279D-78D4A6C77706}"/>
+                <a16:creationId xmlns:a16="http://schemas.microsoft.com/office/drawing/2014/main" id="{4B5277D7-4477-02CB-C0E6-C171506B2E7B}"/>
               </a:ext>
             </a:extLst>
           </p:cNvPr>
@@ -1169,7 +1169,7 @@
           <p:cNvPr id="6" name="灯片编号占位符 5">
             <a:extLst>
               <a:ext uri="{FF2B5EF4-FFF2-40B4-BE49-F238E27FC236}">
-                <a16:creationId xmlns:a16="http://schemas.microsoft.com/office/drawing/2014/main" id="{0AE4EDE5-019A-3B6F-F85F-CA3B75C633B5}"/>
+                <a16:creationId xmlns:a16="http://schemas.microsoft.com/office/drawing/2014/main" id="{5ECB608F-3DE4-C8A4-802F-0445518D170B}"/>
               </a:ext>
             </a:extLst>
           </p:cNvPr>
@@ -1185,7 +1185,7 @@
           <a:bodyPr/>
           <a:lstStyle/>
           <a:p>
-            <a:fld id="{EB6AB818-5F3F-4C1C-884F-06860D4F632B}" type="slidenum">
+            <a:fld id="{3266E61F-5EF4-4F4E-B2A7-E6C58DF8FBC6}" type="slidenum">
               <a:rPr lang="zh-CN" altLang="en-US" smtClean="0"/>
               <a:t>‹#›</a:t>
             </a:fld>
@@ -1196,7 +1196,7 @@
     </p:spTree>
     <p:extLst>
       <p:ext uri="{BB962C8B-B14F-4D97-AF65-F5344CB8AC3E}">
-        <p14:creationId xmlns:p14="http://schemas.microsoft.com/office/powerpoint/2010/main" val="636281205"/>
+        <p14:creationId xmlns:p14="http://schemas.microsoft.com/office/powerpoint/2010/main" val="3662069738"/>
       </p:ext>
     </p:extLst>
   </p:cSld>
@@ -1228,7 +1228,7 @@
           <p:cNvPr id="2" name="标题 1">
             <a:extLst>
               <a:ext uri="{FF2B5EF4-FFF2-40B4-BE49-F238E27FC236}">
-                <a16:creationId xmlns:a16="http://schemas.microsoft.com/office/drawing/2014/main" id="{43582B60-2A69-3BBC-0558-E26041DC0148}"/>
+                <a16:creationId xmlns:a16="http://schemas.microsoft.com/office/drawing/2014/main" id="{23BC6A51-B9BF-C58B-C442-14DF24D0D6CE}"/>
               </a:ext>
             </a:extLst>
           </p:cNvPr>
@@ -1256,7 +1256,7 @@
           <p:cNvPr id="3" name="内容占位符 2">
             <a:extLst>
               <a:ext uri="{FF2B5EF4-FFF2-40B4-BE49-F238E27FC236}">
-                <a16:creationId xmlns:a16="http://schemas.microsoft.com/office/drawing/2014/main" id="{CF3C5F88-2834-5D23-35C5-E61C5827A2AC}"/>
+                <a16:creationId xmlns:a16="http://schemas.microsoft.com/office/drawing/2014/main" id="{C8BD5507-FC5C-A2A4-206C-1CB961A10983}"/>
               </a:ext>
             </a:extLst>
           </p:cNvPr>
@@ -1318,7 +1318,7 @@
           <p:cNvPr id="4" name="内容占位符 3">
             <a:extLst>
               <a:ext uri="{FF2B5EF4-FFF2-40B4-BE49-F238E27FC236}">
-                <a16:creationId xmlns:a16="http://schemas.microsoft.com/office/drawing/2014/main" id="{1D51F548-CC68-69BB-6DF3-F3D4919EB7DB}"/>
+                <a16:creationId xmlns:a16="http://schemas.microsoft.com/office/drawing/2014/main" id="{94EE29B2-A5C0-2BB4-56C0-C3BB1E9B79EF}"/>
               </a:ext>
             </a:extLst>
           </p:cNvPr>
@@ -1380,7 +1380,7 @@
           <p:cNvPr id="5" name="日期占位符 4">
             <a:extLst>
               <a:ext uri="{FF2B5EF4-FFF2-40B4-BE49-F238E27FC236}">
-                <a16:creationId xmlns:a16="http://schemas.microsoft.com/office/drawing/2014/main" id="{3568B21A-35F4-171B-72AC-EA5A42D4A43A}"/>
+                <a16:creationId xmlns:a16="http://schemas.microsoft.com/office/drawing/2014/main" id="{9F312CC3-25C9-8FE0-EAFF-E3BFB9B716AE}"/>
               </a:ext>
             </a:extLst>
           </p:cNvPr>
@@ -1396,7 +1396,7 @@
           <a:bodyPr/>
           <a:lstStyle/>
           <a:p>
-            <a:fld id="{D5A816A3-8E01-466E-AE42-8635576E0676}" type="datetimeFigureOut">
+            <a:fld id="{D377ECB9-9414-4E7E-8F96-814E429367F1}" type="datetimeFigureOut">
               <a:rPr lang="zh-CN" altLang="en-US" smtClean="0"/>
               <a:t>2024/3/10</a:t>
             </a:fld>
@@ -1409,7 +1409,7 @@
           <p:cNvPr id="6" name="页脚占位符 5">
             <a:extLst>
               <a:ext uri="{FF2B5EF4-FFF2-40B4-BE49-F238E27FC236}">
-                <a16:creationId xmlns:a16="http://schemas.microsoft.com/office/drawing/2014/main" id="{7E056793-5B36-90EE-9069-9D6D2096D620}"/>
+                <a16:creationId xmlns:a16="http://schemas.microsoft.com/office/drawing/2014/main" id="{70990375-D0F3-88C2-6C69-6FCBE3B6876C}"/>
               </a:ext>
             </a:extLst>
           </p:cNvPr>
@@ -1434,7 +1434,7 @@
           <p:cNvPr id="7" name="灯片编号占位符 6">
             <a:extLst>
               <a:ext uri="{FF2B5EF4-FFF2-40B4-BE49-F238E27FC236}">
-                <a16:creationId xmlns:a16="http://schemas.microsoft.com/office/drawing/2014/main" id="{7A3E1565-4BEB-DEC5-49FA-6BC4E78305B9}"/>
+                <a16:creationId xmlns:a16="http://schemas.microsoft.com/office/drawing/2014/main" id="{CAA4830F-8444-4457-F07F-7B005E3DB058}"/>
               </a:ext>
             </a:extLst>
           </p:cNvPr>
@@ -1450,7 +1450,7 @@
           <a:bodyPr/>
           <a:lstStyle/>
           <a:p>
-            <a:fld id="{EB6AB818-5F3F-4C1C-884F-06860D4F632B}" type="slidenum">
+            <a:fld id="{3266E61F-5EF4-4F4E-B2A7-E6C58DF8FBC6}" type="slidenum">
               <a:rPr lang="zh-CN" altLang="en-US" smtClean="0"/>
               <a:t>‹#›</a:t>
             </a:fld>
@@ -1461,7 +1461,7 @@
     </p:spTree>
     <p:extLst>
       <p:ext uri="{BB962C8B-B14F-4D97-AF65-F5344CB8AC3E}">
-        <p14:creationId xmlns:p14="http://schemas.microsoft.com/office/powerpoint/2010/main" val="2938691514"/>
+        <p14:creationId xmlns:p14="http://schemas.microsoft.com/office/powerpoint/2010/main" val="1785518845"/>
       </p:ext>
     </p:extLst>
   </p:cSld>
@@ -1493,7 +1493,7 @@
           <p:cNvPr id="2" name="标题 1">
             <a:extLst>
               <a:ext uri="{FF2B5EF4-FFF2-40B4-BE49-F238E27FC236}">
-                <a16:creationId xmlns:a16="http://schemas.microsoft.com/office/drawing/2014/main" id="{D02AE062-1562-FEC1-4E1F-F8ABEED499C9}"/>
+                <a16:creationId xmlns:a16="http://schemas.microsoft.com/office/drawing/2014/main" id="{F9AD89D6-5245-17FF-1F56-04A325B571C2}"/>
               </a:ext>
             </a:extLst>
           </p:cNvPr>
@@ -1526,7 +1526,7 @@
           <p:cNvPr id="3" name="文本占位符 2">
             <a:extLst>
               <a:ext uri="{FF2B5EF4-FFF2-40B4-BE49-F238E27FC236}">
-                <a16:creationId xmlns:a16="http://schemas.microsoft.com/office/drawing/2014/main" id="{C6EDCF8D-4ED4-5C7E-46C2-465BB7FBF7B6}"/>
+                <a16:creationId xmlns:a16="http://schemas.microsoft.com/office/drawing/2014/main" id="{4CAC5C07-24C2-0EA5-D628-0E2FE307D82E}"/>
               </a:ext>
             </a:extLst>
           </p:cNvPr>
@@ -1597,7 +1597,7 @@
           <p:cNvPr id="4" name="内容占位符 3">
             <a:extLst>
               <a:ext uri="{FF2B5EF4-FFF2-40B4-BE49-F238E27FC236}">
-                <a16:creationId xmlns:a16="http://schemas.microsoft.com/office/drawing/2014/main" id="{C2A3D25A-618C-083B-0490-A6D9200A3999}"/>
+                <a16:creationId xmlns:a16="http://schemas.microsoft.com/office/drawing/2014/main" id="{C65AEE8B-64ED-DB11-544C-5F2D6E37740B}"/>
               </a:ext>
             </a:extLst>
           </p:cNvPr>
@@ -1659,7 +1659,7 @@
           <p:cNvPr id="5" name="文本占位符 4">
             <a:extLst>
               <a:ext uri="{FF2B5EF4-FFF2-40B4-BE49-F238E27FC236}">
-                <a16:creationId xmlns:a16="http://schemas.microsoft.com/office/drawing/2014/main" id="{7721B0E5-43BF-5B2A-C889-121C6BF43B3E}"/>
+                <a16:creationId xmlns:a16="http://schemas.microsoft.com/office/drawing/2014/main" id="{CD94E643-D34C-9F07-DC24-662F99ACC450}"/>
               </a:ext>
             </a:extLst>
           </p:cNvPr>
@@ -1730,7 +1730,7 @@
           <p:cNvPr id="6" name="内容占位符 5">
             <a:extLst>
               <a:ext uri="{FF2B5EF4-FFF2-40B4-BE49-F238E27FC236}">
-                <a16:creationId xmlns:a16="http://schemas.microsoft.com/office/drawing/2014/main" id="{D40E6567-CEC7-9B27-49EF-C8C13409817A}"/>
+                <a16:creationId xmlns:a16="http://schemas.microsoft.com/office/drawing/2014/main" id="{7B7B5844-C3E4-BE89-A10C-9E71A2A84402}"/>
               </a:ext>
             </a:extLst>
           </p:cNvPr>
@@ -1792,7 +1792,7 @@
           <p:cNvPr id="7" name="日期占位符 6">
             <a:extLst>
               <a:ext uri="{FF2B5EF4-FFF2-40B4-BE49-F238E27FC236}">
-                <a16:creationId xmlns:a16="http://schemas.microsoft.com/office/drawing/2014/main" id="{F000408E-BD3F-A458-4072-37DA5283649C}"/>
+                <a16:creationId xmlns:a16="http://schemas.microsoft.com/office/drawing/2014/main" id="{F67D3C15-B131-6976-E9EE-C40C08D7E71A}"/>
               </a:ext>
             </a:extLst>
           </p:cNvPr>
@@ -1808,7 +1808,7 @@
           <a:bodyPr/>
           <a:lstStyle/>
           <a:p>
-            <a:fld id="{D5A816A3-8E01-466E-AE42-8635576E0676}" type="datetimeFigureOut">
+            <a:fld id="{D377ECB9-9414-4E7E-8F96-814E429367F1}" type="datetimeFigureOut">
               <a:rPr lang="zh-CN" altLang="en-US" smtClean="0"/>
               <a:t>2024/3/10</a:t>
             </a:fld>
@@ -1821,7 +1821,7 @@
           <p:cNvPr id="8" name="页脚占位符 7">
             <a:extLst>
               <a:ext uri="{FF2B5EF4-FFF2-40B4-BE49-F238E27FC236}">
-                <a16:creationId xmlns:a16="http://schemas.microsoft.com/office/drawing/2014/main" id="{DE6B807A-5214-1B6A-9348-639334FBBB0B}"/>
+                <a16:creationId xmlns:a16="http://schemas.microsoft.com/office/drawing/2014/main" id="{40D6AA99-95F6-C106-44DA-FA79209651BB}"/>
               </a:ext>
             </a:extLst>
           </p:cNvPr>
@@ -1846,7 +1846,7 @@
           <p:cNvPr id="9" name="灯片编号占位符 8">
             <a:extLst>
               <a:ext uri="{FF2B5EF4-FFF2-40B4-BE49-F238E27FC236}">
-                <a16:creationId xmlns:a16="http://schemas.microsoft.com/office/drawing/2014/main" id="{1B3D7CD1-779B-D540-76FD-96D6549A61F1}"/>
+                <a16:creationId xmlns:a16="http://schemas.microsoft.com/office/drawing/2014/main" id="{D3FC1B88-5D34-D85E-329D-082274C6DE33}"/>
               </a:ext>
             </a:extLst>
           </p:cNvPr>
@@ -1862,7 +1862,7 @@
           <a:bodyPr/>
           <a:lstStyle/>
           <a:p>
-            <a:fld id="{EB6AB818-5F3F-4C1C-884F-06860D4F632B}" type="slidenum">
+            <a:fld id="{3266E61F-5EF4-4F4E-B2A7-E6C58DF8FBC6}" type="slidenum">
               <a:rPr lang="zh-CN" altLang="en-US" smtClean="0"/>
               <a:t>‹#›</a:t>
             </a:fld>
@@ -1873,7 +1873,7 @@
     </p:spTree>
     <p:extLst>
       <p:ext uri="{BB962C8B-B14F-4D97-AF65-F5344CB8AC3E}">
-        <p14:creationId xmlns:p14="http://schemas.microsoft.com/office/powerpoint/2010/main" val="339177429"/>
+        <p14:creationId xmlns:p14="http://schemas.microsoft.com/office/powerpoint/2010/main" val="1924711664"/>
       </p:ext>
     </p:extLst>
   </p:cSld>
@@ -1905,7 +1905,7 @@
           <p:cNvPr id="2" name="标题 1">
             <a:extLst>
               <a:ext uri="{FF2B5EF4-FFF2-40B4-BE49-F238E27FC236}">
-                <a16:creationId xmlns:a16="http://schemas.microsoft.com/office/drawing/2014/main" id="{B856A499-43E2-874C-C254-4C00132465D6}"/>
+                <a16:creationId xmlns:a16="http://schemas.microsoft.com/office/drawing/2014/main" id="{E234A945-F2A2-8BDD-622D-F5F93FACC262}"/>
               </a:ext>
             </a:extLst>
           </p:cNvPr>
@@ -1933,7 +1933,7 @@
           <p:cNvPr id="3" name="日期占位符 2">
             <a:extLst>
               <a:ext uri="{FF2B5EF4-FFF2-40B4-BE49-F238E27FC236}">
-                <a16:creationId xmlns:a16="http://schemas.microsoft.com/office/drawing/2014/main" id="{C1E1AB80-1F36-0A14-32DE-C123C7E9EF92}"/>
+                <a16:creationId xmlns:a16="http://schemas.microsoft.com/office/drawing/2014/main" id="{80D80E31-5F22-1B57-E08A-41590BFE700C}"/>
               </a:ext>
             </a:extLst>
           </p:cNvPr>
@@ -1949,7 +1949,7 @@
           <a:bodyPr/>
           <a:lstStyle/>
           <a:p>
-            <a:fld id="{D5A816A3-8E01-466E-AE42-8635576E0676}" type="datetimeFigureOut">
+            <a:fld id="{D377ECB9-9414-4E7E-8F96-814E429367F1}" type="datetimeFigureOut">
               <a:rPr lang="zh-CN" altLang="en-US" smtClean="0"/>
               <a:t>2024/3/10</a:t>
             </a:fld>
@@ -1962,7 +1962,7 @@
           <p:cNvPr id="4" name="页脚占位符 3">
             <a:extLst>
               <a:ext uri="{FF2B5EF4-FFF2-40B4-BE49-F238E27FC236}">
-                <a16:creationId xmlns:a16="http://schemas.microsoft.com/office/drawing/2014/main" id="{A9097089-16AE-F40B-11CA-51634B3381BA}"/>
+                <a16:creationId xmlns:a16="http://schemas.microsoft.com/office/drawing/2014/main" id="{3653BB85-44CD-BF0D-1B1E-D35F36426C22}"/>
               </a:ext>
             </a:extLst>
           </p:cNvPr>
@@ -1987,7 +1987,7 @@
           <p:cNvPr id="5" name="灯片编号占位符 4">
             <a:extLst>
               <a:ext uri="{FF2B5EF4-FFF2-40B4-BE49-F238E27FC236}">
-                <a16:creationId xmlns:a16="http://schemas.microsoft.com/office/drawing/2014/main" id="{C6EF2748-89C5-1C18-088F-6337A01D1BC2}"/>
+                <a16:creationId xmlns:a16="http://schemas.microsoft.com/office/drawing/2014/main" id="{F7E45FAE-C551-29AD-999D-2E7F5D2309CE}"/>
               </a:ext>
             </a:extLst>
           </p:cNvPr>
@@ -2003,7 +2003,7 @@
           <a:bodyPr/>
           <a:lstStyle/>
           <a:p>
-            <a:fld id="{EB6AB818-5F3F-4C1C-884F-06860D4F632B}" type="slidenum">
+            <a:fld id="{3266E61F-5EF4-4F4E-B2A7-E6C58DF8FBC6}" type="slidenum">
               <a:rPr lang="zh-CN" altLang="en-US" smtClean="0"/>
               <a:t>‹#›</a:t>
             </a:fld>
@@ -2014,7 +2014,7 @@
     </p:spTree>
     <p:extLst>
       <p:ext uri="{BB962C8B-B14F-4D97-AF65-F5344CB8AC3E}">
-        <p14:creationId xmlns:p14="http://schemas.microsoft.com/office/powerpoint/2010/main" val="3468739723"/>
+        <p14:creationId xmlns:p14="http://schemas.microsoft.com/office/powerpoint/2010/main" val="1308287220"/>
       </p:ext>
     </p:extLst>
   </p:cSld>
@@ -2046,7 +2046,7 @@
           <p:cNvPr id="2" name="日期占位符 1">
             <a:extLst>
               <a:ext uri="{FF2B5EF4-FFF2-40B4-BE49-F238E27FC236}">
-                <a16:creationId xmlns:a16="http://schemas.microsoft.com/office/drawing/2014/main" id="{1862C6CB-F94C-33A5-2B81-D2DFC4B5FCF9}"/>
+                <a16:creationId xmlns:a16="http://schemas.microsoft.com/office/drawing/2014/main" id="{3FD7872E-2C93-9257-C67E-7E8EA4BF01E9}"/>
               </a:ext>
             </a:extLst>
           </p:cNvPr>
@@ -2062,7 +2062,7 @@
           <a:bodyPr/>
           <a:lstStyle/>
           <a:p>
-            <a:fld id="{D5A816A3-8E01-466E-AE42-8635576E0676}" type="datetimeFigureOut">
+            <a:fld id="{D377ECB9-9414-4E7E-8F96-814E429367F1}" type="datetimeFigureOut">
               <a:rPr lang="zh-CN" altLang="en-US" smtClean="0"/>
               <a:t>2024/3/10</a:t>
             </a:fld>
@@ -2075,7 +2075,7 @@
           <p:cNvPr id="3" name="页脚占位符 2">
             <a:extLst>
               <a:ext uri="{FF2B5EF4-FFF2-40B4-BE49-F238E27FC236}">
-                <a16:creationId xmlns:a16="http://schemas.microsoft.com/office/drawing/2014/main" id="{BADDE24D-9EAC-E5AD-84C3-2BD58EBF8B22}"/>
+                <a16:creationId xmlns:a16="http://schemas.microsoft.com/office/drawing/2014/main" id="{3F979313-B0F5-6204-0752-8BF971FD3649}"/>
               </a:ext>
             </a:extLst>
           </p:cNvPr>
@@ -2100,7 +2100,7 @@
           <p:cNvPr id="4" name="灯片编号占位符 3">
             <a:extLst>
               <a:ext uri="{FF2B5EF4-FFF2-40B4-BE49-F238E27FC236}">
-                <a16:creationId xmlns:a16="http://schemas.microsoft.com/office/drawing/2014/main" id="{E1C368DD-FF44-6BBD-D0DB-FB77DB376BB7}"/>
+                <a16:creationId xmlns:a16="http://schemas.microsoft.com/office/drawing/2014/main" id="{05898724-E743-7E26-888D-1F7ADB1F5622}"/>
               </a:ext>
             </a:extLst>
           </p:cNvPr>
@@ -2116,7 +2116,7 @@
           <a:bodyPr/>
           <a:lstStyle/>
           <a:p>
-            <a:fld id="{EB6AB818-5F3F-4C1C-884F-06860D4F632B}" type="slidenum">
+            <a:fld id="{3266E61F-5EF4-4F4E-B2A7-E6C58DF8FBC6}" type="slidenum">
               <a:rPr lang="zh-CN" altLang="en-US" smtClean="0"/>
               <a:t>‹#›</a:t>
             </a:fld>
@@ -2127,7 +2127,7 @@
     </p:spTree>
     <p:extLst>
       <p:ext uri="{BB962C8B-B14F-4D97-AF65-F5344CB8AC3E}">
-        <p14:creationId xmlns:p14="http://schemas.microsoft.com/office/powerpoint/2010/main" val="459568081"/>
+        <p14:creationId xmlns:p14="http://schemas.microsoft.com/office/powerpoint/2010/main" val="3032283791"/>
       </p:ext>
     </p:extLst>
   </p:cSld>
@@ -2159,7 +2159,7 @@
           <p:cNvPr id="2" name="标题 1">
             <a:extLst>
               <a:ext uri="{FF2B5EF4-FFF2-40B4-BE49-F238E27FC236}">
-                <a16:creationId xmlns:a16="http://schemas.microsoft.com/office/drawing/2014/main" id="{BD630C55-F6B0-0241-477B-C1455D1DB4B4}"/>
+                <a16:creationId xmlns:a16="http://schemas.microsoft.com/office/drawing/2014/main" id="{94D0110C-16D3-2973-9B6F-EE31A5495F8F}"/>
               </a:ext>
             </a:extLst>
           </p:cNvPr>
@@ -2196,7 +2196,7 @@
           <p:cNvPr id="3" name="内容占位符 2">
             <a:extLst>
               <a:ext uri="{FF2B5EF4-FFF2-40B4-BE49-F238E27FC236}">
-                <a16:creationId xmlns:a16="http://schemas.microsoft.com/office/drawing/2014/main" id="{2487A25F-3C33-507B-57F4-CE2F94637164}"/>
+                <a16:creationId xmlns:a16="http://schemas.microsoft.com/office/drawing/2014/main" id="{7F30ADFB-4B4E-15C4-4D6E-2F686E82470A}"/>
               </a:ext>
             </a:extLst>
           </p:cNvPr>
@@ -2286,7 +2286,7 @@
           <p:cNvPr id="4" name="文本占位符 3">
             <a:extLst>
               <a:ext uri="{FF2B5EF4-FFF2-40B4-BE49-F238E27FC236}">
-                <a16:creationId xmlns:a16="http://schemas.microsoft.com/office/drawing/2014/main" id="{C8CCDCD0-D0C4-6611-D6E3-08535A371B71}"/>
+                <a16:creationId xmlns:a16="http://schemas.microsoft.com/office/drawing/2014/main" id="{8813547C-290D-DA0C-9B9B-6C90F1D6C5CF}"/>
               </a:ext>
             </a:extLst>
           </p:cNvPr>
@@ -2357,7 +2357,7 @@
           <p:cNvPr id="5" name="日期占位符 4">
             <a:extLst>
               <a:ext uri="{FF2B5EF4-FFF2-40B4-BE49-F238E27FC236}">
-                <a16:creationId xmlns:a16="http://schemas.microsoft.com/office/drawing/2014/main" id="{89167572-B74E-70E3-E191-9427B17292D1}"/>
+                <a16:creationId xmlns:a16="http://schemas.microsoft.com/office/drawing/2014/main" id="{EA45B0A5-DDD4-3972-D505-58E8E25E7713}"/>
               </a:ext>
             </a:extLst>
           </p:cNvPr>
@@ -2373,7 +2373,7 @@
           <a:bodyPr/>
           <a:lstStyle/>
           <a:p>
-            <a:fld id="{D5A816A3-8E01-466E-AE42-8635576E0676}" type="datetimeFigureOut">
+            <a:fld id="{D377ECB9-9414-4E7E-8F96-814E429367F1}" type="datetimeFigureOut">
               <a:rPr lang="zh-CN" altLang="en-US" smtClean="0"/>
               <a:t>2024/3/10</a:t>
             </a:fld>
@@ -2386,7 +2386,7 @@
           <p:cNvPr id="6" name="页脚占位符 5">
             <a:extLst>
               <a:ext uri="{FF2B5EF4-FFF2-40B4-BE49-F238E27FC236}">
-                <a16:creationId xmlns:a16="http://schemas.microsoft.com/office/drawing/2014/main" id="{B6905397-AFB9-10D7-A16F-BAA7726DEA40}"/>
+                <a16:creationId xmlns:a16="http://schemas.microsoft.com/office/drawing/2014/main" id="{361D213B-9B6D-6142-B846-7E91237D0F42}"/>
               </a:ext>
             </a:extLst>
           </p:cNvPr>
@@ -2411,7 +2411,7 @@
           <p:cNvPr id="7" name="灯片编号占位符 6">
             <a:extLst>
               <a:ext uri="{FF2B5EF4-FFF2-40B4-BE49-F238E27FC236}">
-                <a16:creationId xmlns:a16="http://schemas.microsoft.com/office/drawing/2014/main" id="{8DA08D11-D0FB-7FDF-D7AA-87188764C9AB}"/>
+                <a16:creationId xmlns:a16="http://schemas.microsoft.com/office/drawing/2014/main" id="{34FBEDFF-A83F-FB41-945D-704AEE94F9EC}"/>
               </a:ext>
             </a:extLst>
           </p:cNvPr>
@@ -2427,7 +2427,7 @@
           <a:bodyPr/>
           <a:lstStyle/>
           <a:p>
-            <a:fld id="{EB6AB818-5F3F-4C1C-884F-06860D4F632B}" type="slidenum">
+            <a:fld id="{3266E61F-5EF4-4F4E-B2A7-E6C58DF8FBC6}" type="slidenum">
               <a:rPr lang="zh-CN" altLang="en-US" smtClean="0"/>
               <a:t>‹#›</a:t>
             </a:fld>
@@ -2438,7 +2438,7 @@
     </p:spTree>
     <p:extLst>
       <p:ext uri="{BB962C8B-B14F-4D97-AF65-F5344CB8AC3E}">
-        <p14:creationId xmlns:p14="http://schemas.microsoft.com/office/powerpoint/2010/main" val="3292838117"/>
+        <p14:creationId xmlns:p14="http://schemas.microsoft.com/office/powerpoint/2010/main" val="1827274021"/>
       </p:ext>
     </p:extLst>
   </p:cSld>
@@ -2470,7 +2470,7 @@
           <p:cNvPr id="2" name="标题 1">
             <a:extLst>
               <a:ext uri="{FF2B5EF4-FFF2-40B4-BE49-F238E27FC236}">
-                <a16:creationId xmlns:a16="http://schemas.microsoft.com/office/drawing/2014/main" id="{78BE0708-691A-AE04-37FB-7D7DE01BB0B5}"/>
+                <a16:creationId xmlns:a16="http://schemas.microsoft.com/office/drawing/2014/main" id="{0AD849B6-5999-BB6F-F5DE-0853596E8DF8}"/>
               </a:ext>
             </a:extLst>
           </p:cNvPr>
@@ -2507,7 +2507,7 @@
           <p:cNvPr id="3" name="图片占位符 2">
             <a:extLst>
               <a:ext uri="{FF2B5EF4-FFF2-40B4-BE49-F238E27FC236}">
-                <a16:creationId xmlns:a16="http://schemas.microsoft.com/office/drawing/2014/main" id="{66DD83E4-2C77-A81E-3F97-EA4923D1DCA7}"/>
+                <a16:creationId xmlns:a16="http://schemas.microsoft.com/office/drawing/2014/main" id="{3E9C8140-4CCA-7506-8AB0-1A4CD35106F6}"/>
               </a:ext>
             </a:extLst>
           </p:cNvPr>
@@ -2574,7 +2574,7 @@
           <p:cNvPr id="4" name="文本占位符 3">
             <a:extLst>
               <a:ext uri="{FF2B5EF4-FFF2-40B4-BE49-F238E27FC236}">
-                <a16:creationId xmlns:a16="http://schemas.microsoft.com/office/drawing/2014/main" id="{09E26FC4-FE4A-CDDF-FAF8-F3EA9FC2347A}"/>
+                <a16:creationId xmlns:a16="http://schemas.microsoft.com/office/drawing/2014/main" id="{5E2274CD-6517-82B5-10C2-B4B35225F4EE}"/>
               </a:ext>
             </a:extLst>
           </p:cNvPr>
@@ -2645,7 +2645,7 @@
           <p:cNvPr id="5" name="日期占位符 4">
             <a:extLst>
               <a:ext uri="{FF2B5EF4-FFF2-40B4-BE49-F238E27FC236}">
-                <a16:creationId xmlns:a16="http://schemas.microsoft.com/office/drawing/2014/main" id="{DB652D5B-577F-C889-524D-3FFD18ACF201}"/>
+                <a16:creationId xmlns:a16="http://schemas.microsoft.com/office/drawing/2014/main" id="{83D159D9-2C75-1D7E-CE87-1608C0CA5800}"/>
               </a:ext>
             </a:extLst>
           </p:cNvPr>
@@ -2661,7 +2661,7 @@
           <a:bodyPr/>
           <a:lstStyle/>
           <a:p>
-            <a:fld id="{D5A816A3-8E01-466E-AE42-8635576E0676}" type="datetimeFigureOut">
+            <a:fld id="{D377ECB9-9414-4E7E-8F96-814E429367F1}" type="datetimeFigureOut">
               <a:rPr lang="zh-CN" altLang="en-US" smtClean="0"/>
               <a:t>2024/3/10</a:t>
             </a:fld>
@@ -2674,7 +2674,7 @@
           <p:cNvPr id="6" name="页脚占位符 5">
             <a:extLst>
               <a:ext uri="{FF2B5EF4-FFF2-40B4-BE49-F238E27FC236}">
-                <a16:creationId xmlns:a16="http://schemas.microsoft.com/office/drawing/2014/main" id="{C1B36F8C-33B8-FF27-5F11-2CFBB35A869B}"/>
+                <a16:creationId xmlns:a16="http://schemas.microsoft.com/office/drawing/2014/main" id="{E59B2C16-5212-89BA-9FBF-9E1E4606092E}"/>
               </a:ext>
             </a:extLst>
           </p:cNvPr>
@@ -2699,7 +2699,7 @@
           <p:cNvPr id="7" name="灯片编号占位符 6">
             <a:extLst>
               <a:ext uri="{FF2B5EF4-FFF2-40B4-BE49-F238E27FC236}">
-                <a16:creationId xmlns:a16="http://schemas.microsoft.com/office/drawing/2014/main" id="{099CD93B-6BFB-5698-390F-8A6D999F68A3}"/>
+                <a16:creationId xmlns:a16="http://schemas.microsoft.com/office/drawing/2014/main" id="{A4B5249F-74D1-FA12-D462-B1E57804FB40}"/>
               </a:ext>
             </a:extLst>
           </p:cNvPr>
@@ -2715,7 +2715,7 @@
           <a:bodyPr/>
           <a:lstStyle/>
           <a:p>
-            <a:fld id="{EB6AB818-5F3F-4C1C-884F-06860D4F632B}" type="slidenum">
+            <a:fld id="{3266E61F-5EF4-4F4E-B2A7-E6C58DF8FBC6}" type="slidenum">
               <a:rPr lang="zh-CN" altLang="en-US" smtClean="0"/>
               <a:t>‹#›</a:t>
             </a:fld>
@@ -2726,7 +2726,7 @@
     </p:spTree>
     <p:extLst>
       <p:ext uri="{BB962C8B-B14F-4D97-AF65-F5344CB8AC3E}">
-        <p14:creationId xmlns:p14="http://schemas.microsoft.com/office/powerpoint/2010/main" val="4236257099"/>
+        <p14:creationId xmlns:p14="http://schemas.microsoft.com/office/powerpoint/2010/main" val="1077173196"/>
       </p:ext>
     </p:extLst>
   </p:cSld>
@@ -2763,7 +2763,7 @@
           <p:cNvPr id="2" name="标题占位符 1">
             <a:extLst>
               <a:ext uri="{FF2B5EF4-FFF2-40B4-BE49-F238E27FC236}">
-                <a16:creationId xmlns:a16="http://schemas.microsoft.com/office/drawing/2014/main" id="{677C9324-F383-D0EC-F75A-15135C99C650}"/>
+                <a16:creationId xmlns:a16="http://schemas.microsoft.com/office/drawing/2014/main" id="{7D4F948B-DEE8-1575-F528-29ECCE138D6B}"/>
               </a:ext>
             </a:extLst>
           </p:cNvPr>
@@ -2801,7 +2801,7 @@
           <p:cNvPr id="3" name="文本占位符 2">
             <a:extLst>
               <a:ext uri="{FF2B5EF4-FFF2-40B4-BE49-F238E27FC236}">
-                <a16:creationId xmlns:a16="http://schemas.microsoft.com/office/drawing/2014/main" id="{7D4B8310-6A60-9859-9098-1E44C11836E5}"/>
+                <a16:creationId xmlns:a16="http://schemas.microsoft.com/office/drawing/2014/main" id="{65CD8523-0B67-5920-8B90-389781B19FAB}"/>
               </a:ext>
             </a:extLst>
           </p:cNvPr>
@@ -2868,7 +2868,7 @@
           <p:cNvPr id="4" name="日期占位符 3">
             <a:extLst>
               <a:ext uri="{FF2B5EF4-FFF2-40B4-BE49-F238E27FC236}">
-                <a16:creationId xmlns:a16="http://schemas.microsoft.com/office/drawing/2014/main" id="{40642557-0669-63FA-57EF-D522D32E68B2}"/>
+                <a16:creationId xmlns:a16="http://schemas.microsoft.com/office/drawing/2014/main" id="{D308C521-89C1-FC00-A511-C303AC7AC33B}"/>
               </a:ext>
             </a:extLst>
           </p:cNvPr>
@@ -2902,7 +2902,7 @@
             </a:lvl1pPr>
           </a:lstStyle>
           <a:p>
-            <a:fld id="{D5A816A3-8E01-466E-AE42-8635576E0676}" type="datetimeFigureOut">
+            <a:fld id="{D377ECB9-9414-4E7E-8F96-814E429367F1}" type="datetimeFigureOut">
               <a:rPr lang="zh-CN" altLang="en-US" smtClean="0"/>
               <a:t>2024/3/10</a:t>
             </a:fld>
@@ -2915,7 +2915,7 @@
           <p:cNvPr id="5" name="页脚占位符 4">
             <a:extLst>
               <a:ext uri="{FF2B5EF4-FFF2-40B4-BE49-F238E27FC236}">
-                <a16:creationId xmlns:a16="http://schemas.microsoft.com/office/drawing/2014/main" id="{2BAA6876-881D-0FBB-87E1-28B267F8DB08}"/>
+                <a16:creationId xmlns:a16="http://schemas.microsoft.com/office/drawing/2014/main" id="{D3419DC9-5A0D-8CC5-85E7-CDC0FFB4D027}"/>
               </a:ext>
             </a:extLst>
           </p:cNvPr>
@@ -2958,7 +2958,7 @@
           <p:cNvPr id="6" name="灯片编号占位符 5">
             <a:extLst>
               <a:ext uri="{FF2B5EF4-FFF2-40B4-BE49-F238E27FC236}">
-                <a16:creationId xmlns:a16="http://schemas.microsoft.com/office/drawing/2014/main" id="{4D81E736-B5FF-1683-211C-BFA6C889075C}"/>
+                <a16:creationId xmlns:a16="http://schemas.microsoft.com/office/drawing/2014/main" id="{24614238-CCEE-015C-3E32-D2324E32DDC1}"/>
               </a:ext>
             </a:extLst>
           </p:cNvPr>
@@ -2992,7 +2992,7 @@
             </a:lvl1pPr>
           </a:lstStyle>
           <a:p>
-            <a:fld id="{EB6AB818-5F3F-4C1C-884F-06860D4F632B}" type="slidenum">
+            <a:fld id="{3266E61F-5EF4-4F4E-B2A7-E6C58DF8FBC6}" type="slidenum">
               <a:rPr lang="zh-CN" altLang="en-US" smtClean="0"/>
               <a:t>‹#›</a:t>
             </a:fld>
@@ -3003,7 +3003,7 @@
     </p:spTree>
     <p:extLst>
       <p:ext uri="{BB962C8B-B14F-4D97-AF65-F5344CB8AC3E}">
-        <p14:creationId xmlns:p14="http://schemas.microsoft.com/office/powerpoint/2010/main" val="2675360465"/>
+        <p14:creationId xmlns:p14="http://schemas.microsoft.com/office/powerpoint/2010/main" val="3278592288"/>
       </p:ext>
     </p:extLst>
   </p:cSld>
